--- a/ETL_Project_Presentation01.2020.pptx
+++ b/ETL_Project_Presentation01.2020.pptx
@@ -107,6 +107,11 @@
       </a:defRPr>
     </a:lvl9pPr>
   </p:defaultTextStyle>
+  <p:extLst>
+    <p:ext uri="{EFAFB233-063F-42B5-8137-9DF3F51BA10A}">
+      <p15:sldGuideLst xmlns:p15="http://schemas.microsoft.com/office/powerpoint/2012/main"/>
+    </p:ext>
+  </p:extLst>
 </p:presentation>
 </file>
 
@@ -6359,6 +6364,8 @@
                 <a:solidFill>
                   <a:schemeClr val="bg1"/>
                 </a:solidFill>
+                <a:latin typeface="Nirmala UI" panose="020B0604020202020204" pitchFamily="34" charset="0"/>
+                <a:cs typeface="Nirmala UI" panose="020B0604020202020204" pitchFamily="34" charset="0"/>
               </a:rPr>
               <a:t>ETL Project</a:t>
             </a:r>
@@ -7102,36 +7109,6 @@
           </a:p>
         </p:txBody>
       </p:sp>
-      <p:pic>
-        <p:nvPicPr>
-          <p:cNvPr id="7" name="Picture 6" descr="A screenshot of a cell phone&#10;&#10;Description automatically generated">
-            <a:extLst>
-              <a:ext uri="{FF2B5EF4-FFF2-40B4-BE49-F238E27FC236}">
-                <a16:creationId xmlns:a16="http://schemas.microsoft.com/office/drawing/2014/main" id="{356744E6-9DB4-FF48-BE8E-31A76B855931}"/>
-              </a:ext>
-            </a:extLst>
-          </p:cNvPr>
-          <p:cNvPicPr>
-            <a:picLocks noChangeAspect="1"/>
-          </p:cNvPicPr>
-          <p:nvPr/>
-        </p:nvPicPr>
-        <p:blipFill>
-          <a:blip r:embed="rId2"/>
-          <a:stretch>
-            <a:fillRect/>
-          </a:stretch>
-        </p:blipFill>
-        <p:spPr>
-          <a:xfrm>
-            <a:off x="6951442" y="1381881"/>
-            <a:ext cx="3045583" cy="4568375"/>
-          </a:xfrm>
-          <a:prstGeom prst="rect">
-            <a:avLst/>
-          </a:prstGeom>
-        </p:spPr>
-      </p:pic>
       <p:sp>
         <p:nvSpPr>
           <p:cNvPr id="10" name="TextBox 9">
@@ -7239,6 +7216,710 @@
           </a:fontRef>
         </p:style>
       </p:cxnSp>
+      <p:graphicFrame>
+        <p:nvGraphicFramePr>
+          <p:cNvPr id="6" name="Table 5">
+            <a:extLst>
+              <a:ext uri="{FF2B5EF4-FFF2-40B4-BE49-F238E27FC236}">
+                <a16:creationId xmlns:a16="http://schemas.microsoft.com/office/drawing/2014/main" id="{26404F13-F818-EB47-B010-C7CBB958AE2E}"/>
+              </a:ext>
+            </a:extLst>
+          </p:cNvPr>
+          <p:cNvGraphicFramePr>
+            <a:graphicFrameLocks noGrp="1"/>
+          </p:cNvGraphicFramePr>
+          <p:nvPr>
+            <p:extLst>
+              <p:ext uri="{D42A27DB-BD31-4B8C-83A1-F6EECF244321}">
+                <p14:modId xmlns:p14="http://schemas.microsoft.com/office/powerpoint/2010/main" val="1976604001"/>
+              </p:ext>
+            </p:extLst>
+          </p:nvPr>
+        </p:nvGraphicFramePr>
+        <p:xfrm>
+          <a:off x="6411686" y="1820049"/>
+          <a:ext cx="4637308" cy="3964322"/>
+        </p:xfrm>
+        <a:graphic>
+          <a:graphicData uri="http://schemas.openxmlformats.org/drawingml/2006/table">
+            <a:tbl>
+              <a:tblPr/>
+              <a:tblGrid>
+                <a:gridCol w="2318654">
+                  <a:extLst>
+                    <a:ext uri="{9D8B030D-6E8A-4147-A177-3AD203B41FA5}">
+                      <a16:colId xmlns:a16="http://schemas.microsoft.com/office/drawing/2014/main" val="2620261221"/>
+                    </a:ext>
+                  </a:extLst>
+                </a:gridCol>
+                <a:gridCol w="2318654">
+                  <a:extLst>
+                    <a:ext uri="{9D8B030D-6E8A-4147-A177-3AD203B41FA5}">
+                      <a16:colId xmlns:a16="http://schemas.microsoft.com/office/drawing/2014/main" val="713967616"/>
+                    </a:ext>
+                  </a:extLst>
+                </a:gridCol>
+              </a:tblGrid>
+              <a:tr h="711546">
+                <a:tc>
+                  <a:txBody>
+                    <a:bodyPr/>
+                    <a:lstStyle/>
+                    <a:p>
+                      <a:pPr algn="r" fontAlgn="ctr"/>
+                      <a:br>
+                        <a:rPr lang="en-US" b="1" dirty="0">
+                          <a:effectLst/>
+                        </a:rPr>
+                      </a:br>
+                      <a:endParaRPr lang="en-US" b="1" dirty="0">
+                        <a:effectLst/>
+                      </a:endParaRPr>
+                    </a:p>
+                  </a:txBody>
+                  <a:tcPr anchor="ctr">
+                    <a:lnL>
+                      <a:noFill/>
+                    </a:lnL>
+                    <a:lnR>
+                      <a:noFill/>
+                    </a:lnR>
+                    <a:lnT>
+                      <a:noFill/>
+                    </a:lnT>
+                    <a:lnB>
+                      <a:noFill/>
+                    </a:lnB>
+                    <a:lnTlToBr w="12700" cmpd="sng">
+                      <a:noFill/>
+                      <a:prstDash val="solid"/>
+                    </a:lnTlToBr>
+                    <a:lnBlToTr w="12700" cmpd="sng">
+                      <a:noFill/>
+                      <a:prstDash val="solid"/>
+                    </a:lnBlToTr>
+                    <a:solidFill>
+                      <a:srgbClr val="FFFFFF"/>
+                    </a:solidFill>
+                  </a:tcPr>
+                </a:tc>
+                <a:tc>
+                  <a:txBody>
+                    <a:bodyPr/>
+                    <a:lstStyle/>
+                    <a:p>
+                      <a:pPr algn="ctr"/>
+                      <a:r>
+                        <a:rPr lang="en-US" b="1" dirty="0"/>
+                        <a:t>Production Data Totals</a:t>
+                      </a:r>
+                    </a:p>
+                  </a:txBody>
+                  <a:tcPr anchor="b">
+                    <a:lnL>
+                      <a:noFill/>
+                    </a:lnL>
+                    <a:lnR w="12700" cmpd="sng">
+                      <a:noFill/>
+                      <a:prstDash val="solid"/>
+                    </a:lnR>
+                    <a:lnT w="12700" cmpd="sng">
+                      <a:noFill/>
+                      <a:prstDash val="solid"/>
+                    </a:lnT>
+                    <a:lnB w="12700" cmpd="sng">
+                      <a:noFill/>
+                      <a:prstDash val="solid"/>
+                    </a:lnB>
+                    <a:lnTlToBr w="12700" cmpd="sng">
+                      <a:noFill/>
+                      <a:prstDash val="solid"/>
+                    </a:lnTlToBr>
+                    <a:lnBlToTr w="12700" cmpd="sng">
+                      <a:noFill/>
+                      <a:prstDash val="solid"/>
+                    </a:lnBlToTr>
+                  </a:tcPr>
+                </a:tc>
+                <a:extLst>
+                  <a:ext uri="{0D108BD9-81ED-4DB2-BD59-A6C34878D82A}">
+                    <a16:rowId xmlns:a16="http://schemas.microsoft.com/office/drawing/2014/main" val="681069192"/>
+                  </a:ext>
+                </a:extLst>
+              </a:tr>
+              <a:tr h="406597">
+                <a:tc>
+                  <a:txBody>
+                    <a:bodyPr/>
+                    <a:lstStyle/>
+                    <a:p>
+                      <a:pPr algn="r" fontAlgn="ctr"/>
+                      <a:r>
+                        <a:rPr lang="en-US" b="1">
+                          <a:effectLst/>
+                        </a:rPr>
+                        <a:t>Records</a:t>
+                      </a:r>
+                    </a:p>
+                  </a:txBody>
+                  <a:tcPr anchor="ctr">
+                    <a:lnL>
+                      <a:noFill/>
+                    </a:lnL>
+                    <a:lnR>
+                      <a:noFill/>
+                    </a:lnR>
+                    <a:lnT>
+                      <a:noFill/>
+                    </a:lnT>
+                    <a:lnB>
+                      <a:noFill/>
+                    </a:lnB>
+                    <a:solidFill>
+                      <a:srgbClr val="F5F5F5"/>
+                    </a:solidFill>
+                  </a:tcPr>
+                </a:tc>
+                <a:tc>
+                  <a:txBody>
+                    <a:bodyPr/>
+                    <a:lstStyle/>
+                    <a:p>
+                      <a:pPr algn="r" fontAlgn="ctr"/>
+                      <a:r>
+                        <a:rPr lang="en-US" dirty="0">
+                          <a:effectLst/>
+                        </a:rPr>
+                        <a:t>11,292</a:t>
+                      </a:r>
+                    </a:p>
+                  </a:txBody>
+                  <a:tcPr anchor="ctr">
+                    <a:lnL>
+                      <a:noFill/>
+                    </a:lnL>
+                    <a:lnR>
+                      <a:noFill/>
+                    </a:lnR>
+                    <a:lnT w="12700" cmpd="sng">
+                      <a:noFill/>
+                      <a:prstDash val="solid"/>
+                    </a:lnT>
+                    <a:lnB>
+                      <a:noFill/>
+                    </a:lnB>
+                    <a:solidFill>
+                      <a:srgbClr val="F5F5F5"/>
+                    </a:solidFill>
+                  </a:tcPr>
+                </a:tc>
+                <a:extLst>
+                  <a:ext uri="{0D108BD9-81ED-4DB2-BD59-A6C34878D82A}">
+                    <a16:rowId xmlns:a16="http://schemas.microsoft.com/office/drawing/2014/main" val="4111395271"/>
+                  </a:ext>
+                </a:extLst>
+              </a:tr>
+              <a:tr h="406597">
+                <a:tc>
+                  <a:txBody>
+                    <a:bodyPr/>
+                    <a:lstStyle/>
+                    <a:p>
+                      <a:pPr algn="r" fontAlgn="ctr"/>
+                      <a:r>
+                        <a:rPr lang="en-US" b="1">
+                          <a:effectLst/>
+                        </a:rPr>
+                        <a:t>Zip Codes</a:t>
+                      </a:r>
+                    </a:p>
+                  </a:txBody>
+                  <a:tcPr anchor="ctr">
+                    <a:lnL>
+                      <a:noFill/>
+                    </a:lnL>
+                    <a:lnR>
+                      <a:noFill/>
+                    </a:lnR>
+                    <a:lnT>
+                      <a:noFill/>
+                    </a:lnT>
+                    <a:lnB>
+                      <a:noFill/>
+                    </a:lnB>
+                    <a:solidFill>
+                      <a:srgbClr val="FFFFFF"/>
+                    </a:solidFill>
+                  </a:tcPr>
+                </a:tc>
+                <a:tc>
+                  <a:txBody>
+                    <a:bodyPr/>
+                    <a:lstStyle/>
+                    <a:p>
+                      <a:pPr algn="r" fontAlgn="ctr"/>
+                      <a:r>
+                        <a:rPr lang="en-US">
+                          <a:effectLst/>
+                        </a:rPr>
+                        <a:t>523</a:t>
+                      </a:r>
+                    </a:p>
+                  </a:txBody>
+                  <a:tcPr anchor="ctr">
+                    <a:lnL>
+                      <a:noFill/>
+                    </a:lnL>
+                    <a:lnR>
+                      <a:noFill/>
+                    </a:lnR>
+                    <a:lnT>
+                      <a:noFill/>
+                    </a:lnT>
+                    <a:lnB>
+                      <a:noFill/>
+                    </a:lnB>
+                    <a:solidFill>
+                      <a:srgbClr val="FFFFFF"/>
+                    </a:solidFill>
+                  </a:tcPr>
+                </a:tc>
+                <a:extLst>
+                  <a:ext uri="{0D108BD9-81ED-4DB2-BD59-A6C34878D82A}">
+                    <a16:rowId xmlns:a16="http://schemas.microsoft.com/office/drawing/2014/main" val="3654115419"/>
+                  </a:ext>
+                </a:extLst>
+              </a:tr>
+              <a:tr h="406597">
+                <a:tc>
+                  <a:txBody>
+                    <a:bodyPr/>
+                    <a:lstStyle/>
+                    <a:p>
+                      <a:pPr algn="r" fontAlgn="ctr"/>
+                      <a:r>
+                        <a:rPr lang="en-US" b="1">
+                          <a:effectLst/>
+                        </a:rPr>
+                        <a:t>Cities</a:t>
+                      </a:r>
+                    </a:p>
+                  </a:txBody>
+                  <a:tcPr anchor="ctr">
+                    <a:lnL>
+                      <a:noFill/>
+                    </a:lnL>
+                    <a:lnR>
+                      <a:noFill/>
+                    </a:lnR>
+                    <a:lnT>
+                      <a:noFill/>
+                    </a:lnT>
+                    <a:lnB>
+                      <a:noFill/>
+                    </a:lnB>
+                    <a:solidFill>
+                      <a:srgbClr val="F5F5F5"/>
+                    </a:solidFill>
+                  </a:tcPr>
+                </a:tc>
+                <a:tc>
+                  <a:txBody>
+                    <a:bodyPr/>
+                    <a:lstStyle/>
+                    <a:p>
+                      <a:pPr algn="r" fontAlgn="ctr"/>
+                      <a:r>
+                        <a:rPr lang="en-US">
+                          <a:effectLst/>
+                        </a:rPr>
+                        <a:t>396</a:t>
+                      </a:r>
+                    </a:p>
+                  </a:txBody>
+                  <a:tcPr anchor="ctr">
+                    <a:lnL>
+                      <a:noFill/>
+                    </a:lnL>
+                    <a:lnR>
+                      <a:noFill/>
+                    </a:lnR>
+                    <a:lnT>
+                      <a:noFill/>
+                    </a:lnT>
+                    <a:lnB>
+                      <a:noFill/>
+                    </a:lnB>
+                    <a:solidFill>
+                      <a:srgbClr val="F5F5F5"/>
+                    </a:solidFill>
+                  </a:tcPr>
+                </a:tc>
+                <a:extLst>
+                  <a:ext uri="{0D108BD9-81ED-4DB2-BD59-A6C34878D82A}">
+                    <a16:rowId xmlns:a16="http://schemas.microsoft.com/office/drawing/2014/main" val="2928733040"/>
+                  </a:ext>
+                </a:extLst>
+              </a:tr>
+              <a:tr h="406597">
+                <a:tc>
+                  <a:txBody>
+                    <a:bodyPr/>
+                    <a:lstStyle/>
+                    <a:p>
+                      <a:pPr algn="r" fontAlgn="ctr"/>
+                      <a:r>
+                        <a:rPr lang="en-US" b="1">
+                          <a:effectLst/>
+                        </a:rPr>
+                        <a:t>Metropolitan Areas</a:t>
+                      </a:r>
+                    </a:p>
+                  </a:txBody>
+                  <a:tcPr anchor="ctr">
+                    <a:lnL>
+                      <a:noFill/>
+                    </a:lnL>
+                    <a:lnR>
+                      <a:noFill/>
+                    </a:lnR>
+                    <a:lnT>
+                      <a:noFill/>
+                    </a:lnT>
+                    <a:lnB>
+                      <a:noFill/>
+                    </a:lnB>
+                    <a:solidFill>
+                      <a:srgbClr val="FFFFFF"/>
+                    </a:solidFill>
+                  </a:tcPr>
+                </a:tc>
+                <a:tc>
+                  <a:txBody>
+                    <a:bodyPr/>
+                    <a:lstStyle/>
+                    <a:p>
+                      <a:pPr algn="r" fontAlgn="ctr"/>
+                      <a:r>
+                        <a:rPr lang="en-US">
+                          <a:effectLst/>
+                        </a:rPr>
+                        <a:t>63</a:t>
+                      </a:r>
+                    </a:p>
+                  </a:txBody>
+                  <a:tcPr anchor="ctr">
+                    <a:lnL>
+                      <a:noFill/>
+                    </a:lnL>
+                    <a:lnR>
+                      <a:noFill/>
+                    </a:lnR>
+                    <a:lnT>
+                      <a:noFill/>
+                    </a:lnT>
+                    <a:lnB>
+                      <a:noFill/>
+                    </a:lnB>
+                    <a:solidFill>
+                      <a:srgbClr val="FFFFFF"/>
+                    </a:solidFill>
+                  </a:tcPr>
+                </a:tc>
+                <a:extLst>
+                  <a:ext uri="{0D108BD9-81ED-4DB2-BD59-A6C34878D82A}">
+                    <a16:rowId xmlns:a16="http://schemas.microsoft.com/office/drawing/2014/main" val="127497665"/>
+                  </a:ext>
+                </a:extLst>
+              </a:tr>
+              <a:tr h="406597">
+                <a:tc>
+                  <a:txBody>
+                    <a:bodyPr/>
+                    <a:lstStyle/>
+                    <a:p>
+                      <a:pPr algn="r" fontAlgn="ctr"/>
+                      <a:r>
+                        <a:rPr lang="en-US" b="1">
+                          <a:effectLst/>
+                        </a:rPr>
+                        <a:t>Counties</a:t>
+                      </a:r>
+                    </a:p>
+                  </a:txBody>
+                  <a:tcPr anchor="ctr">
+                    <a:lnL>
+                      <a:noFill/>
+                    </a:lnL>
+                    <a:lnR>
+                      <a:noFill/>
+                    </a:lnR>
+                    <a:lnT>
+                      <a:noFill/>
+                    </a:lnT>
+                    <a:lnB>
+                      <a:noFill/>
+                    </a:lnB>
+                    <a:solidFill>
+                      <a:srgbClr val="F5F5F5"/>
+                    </a:solidFill>
+                  </a:tcPr>
+                </a:tc>
+                <a:tc>
+                  <a:txBody>
+                    <a:bodyPr/>
+                    <a:lstStyle/>
+                    <a:p>
+                      <a:pPr algn="r" fontAlgn="ctr"/>
+                      <a:r>
+                        <a:rPr lang="en-US">
+                          <a:effectLst/>
+                        </a:rPr>
+                        <a:t>78</a:t>
+                      </a:r>
+                    </a:p>
+                  </a:txBody>
+                  <a:tcPr anchor="ctr">
+                    <a:lnL>
+                      <a:noFill/>
+                    </a:lnL>
+                    <a:lnR>
+                      <a:noFill/>
+                    </a:lnR>
+                    <a:lnT>
+                      <a:noFill/>
+                    </a:lnT>
+                    <a:lnB>
+                      <a:noFill/>
+                    </a:lnB>
+                    <a:solidFill>
+                      <a:srgbClr val="F5F5F5"/>
+                    </a:solidFill>
+                  </a:tcPr>
+                </a:tc>
+                <a:extLst>
+                  <a:ext uri="{0D108BD9-81ED-4DB2-BD59-A6C34878D82A}">
+                    <a16:rowId xmlns:a16="http://schemas.microsoft.com/office/drawing/2014/main" val="1171609953"/>
+                  </a:ext>
+                </a:extLst>
+              </a:tr>
+              <a:tr h="406597">
+                <a:tc>
+                  <a:txBody>
+                    <a:bodyPr/>
+                    <a:lstStyle/>
+                    <a:p>
+                      <a:pPr algn="r" fontAlgn="ctr"/>
+                      <a:r>
+                        <a:rPr lang="en-US" b="1" dirty="0">
+                          <a:effectLst/>
+                        </a:rPr>
+                        <a:t>FHLB Banks</a:t>
+                      </a:r>
+                    </a:p>
+                  </a:txBody>
+                  <a:tcPr anchor="ctr">
+                    <a:lnL>
+                      <a:noFill/>
+                    </a:lnL>
+                    <a:lnR>
+                      <a:noFill/>
+                    </a:lnR>
+                    <a:lnT>
+                      <a:noFill/>
+                    </a:lnT>
+                    <a:lnB>
+                      <a:noFill/>
+                    </a:lnB>
+                    <a:solidFill>
+                      <a:srgbClr val="FFFFFF"/>
+                    </a:solidFill>
+                  </a:tcPr>
+                </a:tc>
+                <a:tc>
+                  <a:txBody>
+                    <a:bodyPr/>
+                    <a:lstStyle/>
+                    <a:p>
+                      <a:pPr algn="r" fontAlgn="ctr"/>
+                      <a:r>
+                        <a:rPr lang="en-US">
+                          <a:effectLst/>
+                        </a:rPr>
+                        <a:t>11</a:t>
+                      </a:r>
+                    </a:p>
+                  </a:txBody>
+                  <a:tcPr anchor="ctr">
+                    <a:lnL>
+                      <a:noFill/>
+                    </a:lnL>
+                    <a:lnR>
+                      <a:noFill/>
+                    </a:lnR>
+                    <a:lnT>
+                      <a:noFill/>
+                    </a:lnT>
+                    <a:lnB>
+                      <a:noFill/>
+                    </a:lnB>
+                    <a:solidFill>
+                      <a:srgbClr val="FFFFFF"/>
+                    </a:solidFill>
+                  </a:tcPr>
+                </a:tc>
+                <a:extLst>
+                  <a:ext uri="{0D108BD9-81ED-4DB2-BD59-A6C34878D82A}">
+                    <a16:rowId xmlns:a16="http://schemas.microsoft.com/office/drawing/2014/main" val="3201886159"/>
+                  </a:ext>
+                </a:extLst>
+              </a:tr>
+              <a:tr h="406597">
+                <a:tc>
+                  <a:txBody>
+                    <a:bodyPr/>
+                    <a:lstStyle/>
+                    <a:p>
+                      <a:pPr algn="r" fontAlgn="ctr"/>
+                      <a:r>
+                        <a:rPr lang="en-US" b="1" dirty="0">
+                          <a:effectLst/>
+                        </a:rPr>
+                        <a:t>LTV above 80%</a:t>
+                      </a:r>
+                    </a:p>
+                  </a:txBody>
+                  <a:tcPr anchor="ctr">
+                    <a:lnL>
+                      <a:noFill/>
+                    </a:lnL>
+                    <a:lnR>
+                      <a:noFill/>
+                    </a:lnR>
+                    <a:lnT>
+                      <a:noFill/>
+                    </a:lnT>
+                    <a:lnB>
+                      <a:noFill/>
+                    </a:lnB>
+                    <a:solidFill>
+                      <a:srgbClr val="F5F5F5"/>
+                    </a:solidFill>
+                  </a:tcPr>
+                </a:tc>
+                <a:tc>
+                  <a:txBody>
+                    <a:bodyPr/>
+                    <a:lstStyle/>
+                    <a:p>
+                      <a:pPr algn="r" fontAlgn="ctr"/>
+                      <a:r>
+                        <a:rPr lang="en-US">
+                          <a:effectLst/>
+                        </a:rPr>
+                        <a:t>6594</a:t>
+                      </a:r>
+                    </a:p>
+                  </a:txBody>
+                  <a:tcPr anchor="ctr">
+                    <a:lnL>
+                      <a:noFill/>
+                    </a:lnL>
+                    <a:lnR>
+                      <a:noFill/>
+                    </a:lnR>
+                    <a:lnT>
+                      <a:noFill/>
+                    </a:lnT>
+                    <a:lnB>
+                      <a:noFill/>
+                    </a:lnB>
+                    <a:solidFill>
+                      <a:srgbClr val="F5F5F5"/>
+                    </a:solidFill>
+                  </a:tcPr>
+                </a:tc>
+                <a:extLst>
+                  <a:ext uri="{0D108BD9-81ED-4DB2-BD59-A6C34878D82A}">
+                    <a16:rowId xmlns:a16="http://schemas.microsoft.com/office/drawing/2014/main" val="3179326637"/>
+                  </a:ext>
+                </a:extLst>
+              </a:tr>
+              <a:tr h="406597">
+                <a:tc>
+                  <a:txBody>
+                    <a:bodyPr/>
+                    <a:lstStyle/>
+                    <a:p>
+                      <a:pPr algn="r" fontAlgn="ctr"/>
+                      <a:r>
+                        <a:rPr lang="en-US" b="1" dirty="0">
+                          <a:effectLst/>
+                        </a:rPr>
+                        <a:t>LTV below 80%</a:t>
+                      </a:r>
+                    </a:p>
+                  </a:txBody>
+                  <a:tcPr anchor="ctr">
+                    <a:lnL>
+                      <a:noFill/>
+                    </a:lnL>
+                    <a:lnR>
+                      <a:noFill/>
+                    </a:lnR>
+                    <a:lnT>
+                      <a:noFill/>
+                    </a:lnT>
+                    <a:lnB>
+                      <a:noFill/>
+                    </a:lnB>
+                    <a:solidFill>
+                      <a:srgbClr val="FFFFFF"/>
+                    </a:solidFill>
+                  </a:tcPr>
+                </a:tc>
+                <a:tc>
+                  <a:txBody>
+                    <a:bodyPr/>
+                    <a:lstStyle/>
+                    <a:p>
+                      <a:pPr algn="r" fontAlgn="ctr"/>
+                      <a:r>
+                        <a:rPr lang="en-US" dirty="0">
+                          <a:effectLst/>
+                        </a:rPr>
+                        <a:t>8403</a:t>
+                      </a:r>
+                    </a:p>
+                  </a:txBody>
+                  <a:tcPr anchor="ctr">
+                    <a:lnL>
+                      <a:noFill/>
+                    </a:lnL>
+                    <a:lnR>
+                      <a:noFill/>
+                    </a:lnR>
+                    <a:lnT>
+                      <a:noFill/>
+                    </a:lnT>
+                    <a:lnB>
+                      <a:noFill/>
+                    </a:lnB>
+                    <a:solidFill>
+                      <a:srgbClr val="FFFFFF"/>
+                    </a:solidFill>
+                  </a:tcPr>
+                </a:tc>
+                <a:extLst>
+                  <a:ext uri="{0D108BD9-81ED-4DB2-BD59-A6C34878D82A}">
+                    <a16:rowId xmlns:a16="http://schemas.microsoft.com/office/drawing/2014/main" val="4002893395"/>
+                  </a:ext>
+                </a:extLst>
+              </a:tr>
+            </a:tbl>
+          </a:graphicData>
+        </a:graphic>
+      </p:graphicFrame>
     </p:spTree>
     <p:extLst>
       <p:ext uri="{BB962C8B-B14F-4D97-AF65-F5344CB8AC3E}">

--- a/ETL_Project_Presentation01.2020.pptx
+++ b/ETL_Project_Presentation01.2020.pptx
@@ -3184,7 +3184,7 @@
           <a:p>
             <a:fld id="{9184DA70-C731-4C70-880D-CCD4705E623C}" type="datetime1">
               <a:rPr lang="en-US" smtClean="0"/>
-              <a:t>1/29/20</a:t>
+              <a:t>1/30/20</a:t>
             </a:fld>
             <a:endParaRPr lang="en-US" dirty="0"/>
           </a:p>
@@ -3382,7 +3382,7 @@
           <a:p>
             <a:fld id="{B612A279-0833-481D-8C56-F67FD0AC6C50}" type="datetime1">
               <a:rPr lang="en-US" smtClean="0"/>
-              <a:t>1/29/20</a:t>
+              <a:t>1/30/20</a:t>
             </a:fld>
             <a:endParaRPr lang="en-US" dirty="0"/>
           </a:p>
@@ -3590,7 +3590,7 @@
           <a:p>
             <a:fld id="{6587DA83-5663-4C9C-B9AA-0B40A3DAFF81}" type="datetime1">
               <a:rPr lang="en-US" smtClean="0"/>
-              <a:t>1/29/20</a:t>
+              <a:t>1/30/20</a:t>
             </a:fld>
             <a:endParaRPr lang="en-US" dirty="0"/>
           </a:p>
@@ -3788,7 +3788,7 @@
           <a:p>
             <a:fld id="{4BE1D723-8F53-4F53-90B0-1982A396982E}" type="datetime1">
               <a:rPr lang="en-US" smtClean="0"/>
-              <a:t>1/29/20</a:t>
+              <a:t>1/30/20</a:t>
             </a:fld>
             <a:endParaRPr lang="en-US" dirty="0"/>
           </a:p>
@@ -4063,7 +4063,7 @@
           <a:p>
             <a:fld id="{97669AF7-7BEB-44E4-9852-375E34362B5B}" type="datetime1">
               <a:rPr lang="en-US" smtClean="0"/>
-              <a:t>1/29/20</a:t>
+              <a:t>1/30/20</a:t>
             </a:fld>
             <a:endParaRPr lang="en-US" dirty="0"/>
           </a:p>
@@ -4328,7 +4328,7 @@
           <a:p>
             <a:fld id="{BAAAC38D-0552-4C82-B593-E6124DFADBE2}" type="datetime1">
               <a:rPr lang="en-US" smtClean="0"/>
-              <a:t>1/29/20</a:t>
+              <a:t>1/30/20</a:t>
             </a:fld>
             <a:endParaRPr lang="en-US" dirty="0"/>
           </a:p>
@@ -4740,7 +4740,7 @@
           <a:p>
             <a:fld id="{D9DF0F1C-5577-4ACB-BB62-DF8F3C494C7E}" type="datetime1">
               <a:rPr lang="en-US" smtClean="0"/>
-              <a:t>1/29/20</a:t>
+              <a:t>1/30/20</a:t>
             </a:fld>
             <a:endParaRPr lang="en-US" dirty="0"/>
           </a:p>
@@ -4881,7 +4881,7 @@
           <a:p>
             <a:fld id="{1775B394-D9F9-4F0C-B15D-605F45CB9E9F}" type="datetime1">
               <a:rPr lang="en-US" smtClean="0"/>
-              <a:t>1/29/20</a:t>
+              <a:t>1/30/20</a:t>
             </a:fld>
             <a:endParaRPr lang="en-US" dirty="0"/>
           </a:p>
@@ -4994,7 +4994,7 @@
           <a:p>
             <a:fld id="{39667345-2558-425A-8533-9BFDBCE15005}" type="datetime1">
               <a:rPr lang="en-US" smtClean="0"/>
-              <a:t>1/29/20</a:t>
+              <a:t>1/30/20</a:t>
             </a:fld>
             <a:endParaRPr lang="en-US" dirty="0"/>
           </a:p>
@@ -5305,7 +5305,7 @@
           <a:p>
             <a:fld id="{92BEA474-078D-4E9B-9B14-09A87B19DC46}" type="datetime1">
               <a:rPr lang="en-US" smtClean="0"/>
-              <a:t>1/29/20</a:t>
+              <a:t>1/30/20</a:t>
             </a:fld>
             <a:endParaRPr lang="en-US" dirty="0"/>
           </a:p>
@@ -5594,7 +5594,7 @@
           <a:p>
             <a:fld id="{4907D986-8816-4272-A432-0437A28A9828}" type="datetime1">
               <a:rPr lang="en-US" smtClean="0"/>
-              <a:t>1/29/20</a:t>
+              <a:t>1/30/20</a:t>
             </a:fld>
             <a:endParaRPr lang="en-US" dirty="0"/>
           </a:p>
@@ -5836,7 +5836,7 @@
           <a:p>
             <a:fld id="{62D6E202-B606-4609-B914-27C9371A1F6D}" type="datetime1">
               <a:rPr lang="en-US" smtClean="0"/>
-              <a:t>1/29/20</a:t>
+              <a:t>1/30/20</a:t>
             </a:fld>
             <a:endParaRPr lang="en-US" dirty="0"/>
           </a:p>
@@ -7231,7 +7231,7 @@
           <p:nvPr>
             <p:extLst>
               <p:ext uri="{D42A27DB-BD31-4B8C-83A1-F6EECF244321}">
-                <p14:modId xmlns:p14="http://schemas.microsoft.com/office/powerpoint/2010/main" val="1976604001"/>
+                <p14:modId xmlns:p14="http://schemas.microsoft.com/office/powerpoint/2010/main" val="1600937807"/>
               </p:ext>
             </p:extLst>
           </p:nvPr>
@@ -7814,10 +7814,10 @@
                     <a:p>
                       <a:pPr algn="r" fontAlgn="ctr"/>
                       <a:r>
-                        <a:rPr lang="en-US">
+                        <a:rPr lang="en-US" dirty="0">
                           <a:effectLst/>
                         </a:rPr>
-                        <a:t>6594</a:t>
+                        <a:t>6,594</a:t>
                       </a:r>
                     </a:p>
                   </a:txBody>
@@ -7888,7 +7888,7 @@
                         <a:rPr lang="en-US" dirty="0">
                           <a:effectLst/>
                         </a:rPr>
-                        <a:t>8403</a:t>
+                        <a:t>4,698</a:t>
                       </a:r>
                     </a:p>
                   </a:txBody>
